--- a/react/ctrlz1-0313.pptx
+++ b/react/ctrlz1-0313.pptx
@@ -287,7 +287,7 @@
           <a:p>
             <a:fld id="{6587FAEA-F880-4778-816E-3E668AC76103}" type="datetimeFigureOut">
               <a:rPr lang="ko-KR" altLang="en-US" smtClean="0"/>
-              <a:t>2020-03-13</a:t>
+              <a:t>2020-03-20</a:t>
             </a:fld>
             <a:endParaRPr lang="ko-KR" altLang="en-US"/>
           </a:p>
@@ -485,7 +485,7 @@
           <a:p>
             <a:fld id="{6587FAEA-F880-4778-816E-3E668AC76103}" type="datetimeFigureOut">
               <a:rPr lang="ko-KR" altLang="en-US" smtClean="0"/>
-              <a:t>2020-03-13</a:t>
+              <a:t>2020-03-20</a:t>
             </a:fld>
             <a:endParaRPr lang="ko-KR" altLang="en-US"/>
           </a:p>
@@ -693,7 +693,7 @@
           <a:p>
             <a:fld id="{6587FAEA-F880-4778-816E-3E668AC76103}" type="datetimeFigureOut">
               <a:rPr lang="ko-KR" altLang="en-US" smtClean="0"/>
-              <a:t>2020-03-13</a:t>
+              <a:t>2020-03-20</a:t>
             </a:fld>
             <a:endParaRPr lang="ko-KR" altLang="en-US"/>
           </a:p>
@@ -891,7 +891,7 @@
           <a:p>
             <a:fld id="{6587FAEA-F880-4778-816E-3E668AC76103}" type="datetimeFigureOut">
               <a:rPr lang="ko-KR" altLang="en-US" smtClean="0"/>
-              <a:t>2020-03-13</a:t>
+              <a:t>2020-03-20</a:t>
             </a:fld>
             <a:endParaRPr lang="ko-KR" altLang="en-US"/>
           </a:p>
@@ -1166,7 +1166,7 @@
           <a:p>
             <a:fld id="{6587FAEA-F880-4778-816E-3E668AC76103}" type="datetimeFigureOut">
               <a:rPr lang="ko-KR" altLang="en-US" smtClean="0"/>
-              <a:t>2020-03-13</a:t>
+              <a:t>2020-03-20</a:t>
             </a:fld>
             <a:endParaRPr lang="ko-KR" altLang="en-US"/>
           </a:p>
@@ -1431,7 +1431,7 @@
           <a:p>
             <a:fld id="{6587FAEA-F880-4778-816E-3E668AC76103}" type="datetimeFigureOut">
               <a:rPr lang="ko-KR" altLang="en-US" smtClean="0"/>
-              <a:t>2020-03-13</a:t>
+              <a:t>2020-03-20</a:t>
             </a:fld>
             <a:endParaRPr lang="ko-KR" altLang="en-US"/>
           </a:p>
@@ -1843,7 +1843,7 @@
           <a:p>
             <a:fld id="{6587FAEA-F880-4778-816E-3E668AC76103}" type="datetimeFigureOut">
               <a:rPr lang="ko-KR" altLang="en-US" smtClean="0"/>
-              <a:t>2020-03-13</a:t>
+              <a:t>2020-03-20</a:t>
             </a:fld>
             <a:endParaRPr lang="ko-KR" altLang="en-US"/>
           </a:p>
@@ -1984,7 +1984,7 @@
           <a:p>
             <a:fld id="{6587FAEA-F880-4778-816E-3E668AC76103}" type="datetimeFigureOut">
               <a:rPr lang="ko-KR" altLang="en-US" smtClean="0"/>
-              <a:t>2020-03-13</a:t>
+              <a:t>2020-03-20</a:t>
             </a:fld>
             <a:endParaRPr lang="ko-KR" altLang="en-US"/>
           </a:p>
@@ -2097,7 +2097,7 @@
           <a:p>
             <a:fld id="{6587FAEA-F880-4778-816E-3E668AC76103}" type="datetimeFigureOut">
               <a:rPr lang="ko-KR" altLang="en-US" smtClean="0"/>
-              <a:t>2020-03-13</a:t>
+              <a:t>2020-03-20</a:t>
             </a:fld>
             <a:endParaRPr lang="ko-KR" altLang="en-US"/>
           </a:p>
@@ -2408,7 +2408,7 @@
           <a:p>
             <a:fld id="{6587FAEA-F880-4778-816E-3E668AC76103}" type="datetimeFigureOut">
               <a:rPr lang="ko-KR" altLang="en-US" smtClean="0"/>
-              <a:t>2020-03-13</a:t>
+              <a:t>2020-03-20</a:t>
             </a:fld>
             <a:endParaRPr lang="ko-KR" altLang="en-US"/>
           </a:p>
@@ -2696,7 +2696,7 @@
           <a:p>
             <a:fld id="{6587FAEA-F880-4778-816E-3E668AC76103}" type="datetimeFigureOut">
               <a:rPr lang="ko-KR" altLang="en-US" smtClean="0"/>
-              <a:t>2020-03-13</a:t>
+              <a:t>2020-03-20</a:t>
             </a:fld>
             <a:endParaRPr lang="ko-KR" altLang="en-US"/>
           </a:p>
@@ -2937,7 +2937,7 @@
           <a:p>
             <a:fld id="{6587FAEA-F880-4778-816E-3E668AC76103}" type="datetimeFigureOut">
               <a:rPr lang="ko-KR" altLang="en-US" smtClean="0"/>
-              <a:t>2020-03-13</a:t>
+              <a:t>2020-03-20</a:t>
             </a:fld>
             <a:endParaRPr lang="ko-KR" altLang="en-US"/>
           </a:p>
@@ -7788,6 +7788,9 @@
                 <a:solidFill>
                   <a:srgbClr val="FF0000"/>
                 </a:solidFill>
+                <a:highlight>
+                  <a:srgbClr val="FFFF00"/>
+                </a:highlight>
               </a:rPr>
               <a:t>create-react-app</a:t>
             </a:r>
